--- a/aulas/t/SCO-T2-S07-S08/SCO-T2-S07-S08.pptx
+++ b/aulas/t/SCO-T2-S07-S08/SCO-T2-S07-S08.pptx
@@ -8645,17 +8645,12 @@
             </a:pPr>
             <a:r>
               <a:rPr lang="pt-PT" sz="2800" b="0" i="0" dirty="0"/>
-              <a:t>Password Geral</a:t>
-            </a:r>
-            <a:r>
-              <a:rPr lang="pt-PT" sz="2800" b="0" i="0"/>
-              <a:t>: </a:t>
-            </a:r>
-            <a:r>
-              <a:rPr lang="pt-PT" sz="2800" i="0"/>
+              <a:t>Password Geral: </a:t>
+            </a:r>
+            <a:r>
+              <a:rPr lang="pt-PT" sz="2800" i="0" dirty="0"/>
               <a:t>sc2122</a:t>
             </a:r>
-            <a:endParaRPr lang="pt-PT" sz="2800" i="0" dirty="0"/>
           </a:p>
           <a:p>
             <a:pPr marL="357188" lvl="1" indent="-177800" algn="l" defTabSz="704085">
@@ -8678,7 +8673,7 @@
               <a:t>: </a:t>
             </a:r>
             <a:r>
-              <a:rPr lang="pt-PT" sz="2800" b="0" i="0" dirty="0" err="1"/>
+              <a:rPr lang="pt-PT" sz="2800" i="0" dirty="0" err="1"/>
               <a:t>asmc</a:t>
             </a:r>
             <a:endParaRPr lang="pt-PT" sz="2800" i="0" dirty="0"/>
@@ -8714,7 +8709,7 @@
             </a:r>
             <a:r>
               <a:rPr lang="pt-PT" sz="2000" i="0" dirty="0"/>
-              <a:t>12h de sexta 3 de junho até às 16h de quinta 9 de junho</a:t>
+              <a:t>12h de sexta 3 de junho até às 12h de quinta 9 de junho</a:t>
             </a:r>
             <a:r>
               <a:rPr lang="pt-PT" sz="2000" b="0" i="0" dirty="0"/>
